--- a/Capstone Projects/Capstone_2_WalmartSalesForecasting/Walmart Sales Forecasting Presentation.pptx
+++ b/Capstone Projects/Capstone_2_WalmartSalesForecasting/Walmart Sales Forecasting Presentation.pptx
@@ -10,12 +10,13 @@
     <p:sldId id="266" r:id="rId4"/>
     <p:sldId id="264" r:id="rId5"/>
     <p:sldId id="262" r:id="rId6"/>
-    <p:sldId id="261" r:id="rId7"/>
-    <p:sldId id="263" r:id="rId8"/>
-    <p:sldId id="265" r:id="rId9"/>
-    <p:sldId id="267" r:id="rId10"/>
-    <p:sldId id="268" r:id="rId11"/>
-    <p:sldId id="269" r:id="rId12"/>
+    <p:sldId id="265" r:id="rId7"/>
+    <p:sldId id="261" r:id="rId8"/>
+    <p:sldId id="263" r:id="rId9"/>
+    <p:sldId id="270" r:id="rId10"/>
+    <p:sldId id="267" r:id="rId11"/>
+    <p:sldId id="268" r:id="rId12"/>
+    <p:sldId id="269" r:id="rId13"/>
   </p:sldIdLst>
   <p:sldSz cx="12192000" cy="6858000"/>
   <p:notesSz cx="6858000" cy="9144000"/>
@@ -269,7 +270,7 @@
           <a:p>
             <a:fld id="{ED291B17-9318-49DB-B28B-6E5994AE9581}" type="datetime1">
               <a:rPr lang="en-US" smtClean="0"/>
-              <a:t>8/13/2021</a:t>
+              <a:t>8/16/2021</a:t>
             </a:fld>
             <a:endParaRPr lang="en-US" dirty="0"/>
           </a:p>
@@ -467,7 +468,7 @@
           <a:p>
             <a:fld id="{2CED4963-E985-44C4-B8C4-FDD613B7C2F8}" type="datetime1">
               <a:rPr lang="en-US" smtClean="0"/>
-              <a:t>8/13/2021</a:t>
+              <a:t>8/16/2021</a:t>
             </a:fld>
             <a:endParaRPr lang="en-US" dirty="0"/>
           </a:p>
@@ -675,7 +676,7 @@
           <a:p>
             <a:fld id="{ED291B17-9318-49DB-B28B-6E5994AE9581}" type="datetime1">
               <a:rPr lang="en-US" smtClean="0"/>
-              <a:t>8/13/2021</a:t>
+              <a:t>8/16/2021</a:t>
             </a:fld>
             <a:endParaRPr lang="en-US" dirty="0"/>
           </a:p>
@@ -873,7 +874,7 @@
           <a:p>
             <a:fld id="{78DD82B9-B8EE-4375-B6FF-88FA6ABB15D9}" type="datetime1">
               <a:rPr lang="en-US" smtClean="0"/>
-              <a:t>8/13/2021</a:t>
+              <a:t>8/16/2021</a:t>
             </a:fld>
             <a:endParaRPr lang="en-US" dirty="0"/>
           </a:p>
@@ -1148,7 +1149,7 @@
           <a:p>
             <a:fld id="{B2497495-0637-405E-AE64-5CC7506D51F5}" type="datetime1">
               <a:rPr lang="en-US" smtClean="0"/>
-              <a:t>8/13/2021</a:t>
+              <a:t>8/16/2021</a:t>
             </a:fld>
             <a:endParaRPr lang="en-US" dirty="0"/>
           </a:p>
@@ -1413,7 +1414,7 @@
           <a:p>
             <a:fld id="{7BFFD690-9426-415D-8B65-26881E07B2D4}" type="datetime1">
               <a:rPr lang="en-US" smtClean="0"/>
-              <a:t>8/13/2021</a:t>
+              <a:t>8/16/2021</a:t>
             </a:fld>
             <a:endParaRPr lang="en-US" dirty="0"/>
           </a:p>
@@ -1825,7 +1826,7 @@
           <a:p>
             <a:fld id="{04C4989A-474C-40DE-95B9-011C28B71673}" type="datetime1">
               <a:rPr lang="en-US" smtClean="0"/>
-              <a:t>8/13/2021</a:t>
+              <a:t>8/16/2021</a:t>
             </a:fld>
             <a:endParaRPr lang="en-US" dirty="0"/>
           </a:p>
@@ -1966,7 +1967,7 @@
           <a:p>
             <a:fld id="{5DB4ED54-5B5E-4A04-93D3-5772E3CE3818}" type="datetime1">
               <a:rPr lang="en-US" smtClean="0"/>
-              <a:t>8/13/2021</a:t>
+              <a:t>8/16/2021</a:t>
             </a:fld>
             <a:endParaRPr lang="en-US" dirty="0"/>
           </a:p>
@@ -2079,7 +2080,7 @@
           <a:p>
             <a:fld id="{4EDE50D6-574B-40AF-946F-D52A04ADE379}" type="datetime1">
               <a:rPr lang="en-US" smtClean="0"/>
-              <a:t>8/13/2021</a:t>
+              <a:t>8/16/2021</a:t>
             </a:fld>
             <a:endParaRPr lang="en-US" dirty="0"/>
           </a:p>
@@ -2390,7 +2391,7 @@
           <a:p>
             <a:fld id="{D82884F1-FFEA-405F-9602-3DCA865EDA4E}" type="datetime1">
               <a:rPr lang="en-US" smtClean="0"/>
-              <a:t>8/13/2021</a:t>
+              <a:t>8/16/2021</a:t>
             </a:fld>
             <a:endParaRPr lang="en-US" dirty="0"/>
           </a:p>
@@ -2679,7 +2680,7 @@
           <a:p>
             <a:fld id="{7E18DB4A-8810-4A10-AD5C-D5E2C667F5B3}" type="datetime1">
               <a:rPr lang="en-US" smtClean="0"/>
-              <a:t>8/13/2021</a:t>
+              <a:t>8/16/2021</a:t>
             </a:fld>
             <a:endParaRPr lang="en-US" dirty="0"/>
           </a:p>
@@ -2759,10 +2760,7 @@
     <p:bg>
       <p:bgPr>
         <a:solidFill>
-          <a:schemeClr val="accent3">
-            <a:lumMod val="40000"/>
-            <a:lumOff val="60000"/>
-          </a:schemeClr>
+          <a:srgbClr val="E6E6EE"/>
         </a:solidFill>
         <a:effectLst/>
       </p:bgPr>
@@ -2927,7 +2925,7 @@
           <a:p>
             <a:fld id="{ED291B17-9318-49DB-B28B-6E5994AE9581}" type="datetime1">
               <a:rPr lang="en-US" smtClean="0"/>
-              <a:t>8/13/2021</a:t>
+              <a:t>8/16/2021</a:t>
             </a:fld>
             <a:endParaRPr lang="en-US" dirty="0"/>
           </a:p>
@@ -3336,17 +3334,16 @@
         <a:gradFill flip="none" rotWithShape="1">
           <a:gsLst>
             <a:gs pos="0">
-              <a:srgbClr val="007CC2">
-                <a:alpha val="0"/>
+              <a:srgbClr val="FDBB30">
+                <a:alpha val="50000"/>
               </a:srgbClr>
             </a:gs>
             <a:gs pos="50000">
               <a:schemeClr val="bg1"/>
             </a:gs>
             <a:gs pos="100000">
-              <a:srgbClr val="FDBB30">
-                <a:lumMod val="100000"/>
-                <a:alpha val="0"/>
+              <a:srgbClr val="007CC2">
+                <a:alpha val="50000"/>
               </a:srgbClr>
             </a:gs>
           </a:gsLst>
@@ -3528,7 +3525,7 @@
           <p:cNvPr id="2" name="Title 1">
             <a:extLst>
               <a:ext uri="{FF2B5EF4-FFF2-40B4-BE49-F238E27FC236}">
-                <a16:creationId xmlns:a16="http://schemas.microsoft.com/office/drawing/2014/main" id="{B5B03B92-9B4A-4503-AD9A-39AC928DEFCD}"/>
+                <a16:creationId xmlns:a16="http://schemas.microsoft.com/office/drawing/2014/main" id="{1DBBB74F-3F06-4AC2-97B9-1E6E4B36808C}"/>
               </a:ext>
             </a:extLst>
           </p:cNvPr>
@@ -3546,7 +3543,7 @@
           <a:p>
             <a:r>
               <a:rPr lang="en-US" dirty="0"/>
-              <a:t>Chosen Model – Decision Tree Regression</a:t>
+              <a:t>Model Experimentation - Performances</a:t>
             </a:r>
           </a:p>
         </p:txBody>
@@ -3556,7 +3553,7 @@
           <p:cNvPr id="3" name="Content Placeholder 2">
             <a:extLst>
               <a:ext uri="{FF2B5EF4-FFF2-40B4-BE49-F238E27FC236}">
-                <a16:creationId xmlns:a16="http://schemas.microsoft.com/office/drawing/2014/main" id="{752408A3-133A-417C-892A-E3E53FFF2155}"/>
+                <a16:creationId xmlns:a16="http://schemas.microsoft.com/office/drawing/2014/main" id="{8509B1FB-FCAF-496D-AA52-B81520FB0B9E}"/>
               </a:ext>
             </a:extLst>
           </p:cNvPr>
@@ -3567,19 +3564,124 @@
             <p:ph idx="1"/>
           </p:nvPr>
         </p:nvSpPr>
-        <p:spPr/>
-        <p:txBody>
-          <a:bodyPr/>
-          <a:lstStyle/>
-          <a:p>
+        <p:spPr>
+          <a:xfrm>
+            <a:off x="2069123" y="4915879"/>
+            <a:ext cx="8053754" cy="1325564"/>
+          </a:xfrm>
+        </p:spPr>
+        <p:txBody>
+          <a:bodyPr anchor="ctr">
+            <a:normAutofit fontScale="77500" lnSpcReduction="20000"/>
+          </a:bodyPr>
+          <a:lstStyle/>
+          <a:p>
+            <a:pPr marL="0" indent="0" algn="ctr">
+              <a:buNone/>
+            </a:pPr>
+            <a:r>
+              <a:rPr lang="en-US" dirty="0"/>
+              <a:t>Random-forest achieved the lowest MAE, but only marginally compared to a decision tree.</a:t>
+            </a:r>
+          </a:p>
+          <a:p>
+            <a:pPr marL="0" indent="0" algn="ctr">
+              <a:buNone/>
+            </a:pPr>
             <a:endParaRPr lang="en-US" dirty="0"/>
+          </a:p>
+          <a:p>
+            <a:pPr marL="0" indent="0" algn="ctr">
+              <a:buNone/>
+            </a:pPr>
+            <a:r>
+              <a:rPr lang="en-US" dirty="0"/>
+              <a:t>Especially when considering the difference in training time.</a:t>
+            </a:r>
+          </a:p>
+        </p:txBody>
+      </p:sp>
+      <p:pic>
+        <p:nvPicPr>
+          <p:cNvPr id="5" name="Picture 4">
+            <a:extLst>
+              <a:ext uri="{FF2B5EF4-FFF2-40B4-BE49-F238E27FC236}">
+                <a16:creationId xmlns:a16="http://schemas.microsoft.com/office/drawing/2014/main" id="{5AB6AE81-C177-4968-AA8D-161882158AD5}"/>
+              </a:ext>
+            </a:extLst>
+          </p:cNvPr>
+          <p:cNvPicPr>
+            <a:picLocks noChangeAspect="1"/>
+          </p:cNvPicPr>
+          <p:nvPr/>
+        </p:nvPicPr>
+        <p:blipFill>
+          <a:blip r:embed="rId2"/>
+          <a:stretch>
+            <a:fillRect/>
+          </a:stretch>
+        </p:blipFill>
+        <p:spPr>
+          <a:xfrm>
+            <a:off x="3476625" y="1690688"/>
+            <a:ext cx="5238750" cy="2857500"/>
+          </a:xfrm>
+          <a:prstGeom prst="rect">
+            <a:avLst/>
+          </a:prstGeom>
+        </p:spPr>
+      </p:pic>
+      <p:sp>
+        <p:nvSpPr>
+          <p:cNvPr id="6" name="TextBox 5">
+            <a:extLst>
+              <a:ext uri="{FF2B5EF4-FFF2-40B4-BE49-F238E27FC236}">
+                <a16:creationId xmlns:a16="http://schemas.microsoft.com/office/drawing/2014/main" id="{B8E41FF0-C0D0-491A-B48C-4D675AC0DF5C}"/>
+              </a:ext>
+            </a:extLst>
+          </p:cNvPr>
+          <p:cNvSpPr txBox="1"/>
+          <p:nvPr/>
+        </p:nvSpPr>
+        <p:spPr>
+          <a:xfrm>
+            <a:off x="386862" y="2242275"/>
+            <a:ext cx="2754923" cy="1754326"/>
+          </a:xfrm>
+          <a:prstGeom prst="rect">
+            <a:avLst/>
+          </a:prstGeom>
+          <a:noFill/>
+        </p:spPr>
+        <p:txBody>
+          <a:bodyPr wrap="square" rtlCol="0" anchor="ctr">
+            <a:spAutoFit/>
+          </a:bodyPr>
+          <a:lstStyle/>
+          <a:p>
+            <a:pPr algn="ctr"/>
+            <a:r>
+              <a:rPr lang="en-US" dirty="0"/>
+              <a:t>These are untuned model performances</a:t>
+            </a:r>
+          </a:p>
+          <a:p>
+            <a:pPr algn="ctr"/>
+            <a:endParaRPr lang="en-US" dirty="0"/>
+          </a:p>
+          <a:p>
+            <a:pPr algn="ctr"/>
+            <a:r>
+              <a:rPr lang="en-US" dirty="0"/>
+              <a:t>4-CV MAE Mean is the mean absolute error of 4-fold cross-validation</a:t>
+            </a:r>
           </a:p>
         </p:txBody>
       </p:sp>
     </p:spTree>
     <p:extLst>
       <p:ext uri="{BB962C8B-B14F-4D97-AF65-F5344CB8AC3E}">
-        <p14:creationId xmlns:p14="http://schemas.microsoft.com/office/powerpoint/2010/main" val="2380207196"/>
+        <p14:creationId xmlns:p14="http://schemas.microsoft.com/office/powerpoint/2010/main" val="1461612239"/>
       </p:ext>
     </p:extLst>
   </p:cSld>
@@ -3611,6 +3713,130 @@
           <p:cNvPr id="2" name="Title 1">
             <a:extLst>
               <a:ext uri="{FF2B5EF4-FFF2-40B4-BE49-F238E27FC236}">
+                <a16:creationId xmlns:a16="http://schemas.microsoft.com/office/drawing/2014/main" id="{B5B03B92-9B4A-4503-AD9A-39AC928DEFCD}"/>
+              </a:ext>
+            </a:extLst>
+          </p:cNvPr>
+          <p:cNvSpPr>
+            <a:spLocks noGrp="1"/>
+          </p:cNvSpPr>
+          <p:nvPr>
+            <p:ph type="title"/>
+          </p:nvPr>
+        </p:nvSpPr>
+        <p:spPr/>
+        <p:txBody>
+          <a:bodyPr/>
+          <a:lstStyle/>
+          <a:p>
+            <a:r>
+              <a:rPr lang="en-US" dirty="0"/>
+              <a:t>Final Model – Decision Tree Regressor</a:t>
+            </a:r>
+          </a:p>
+        </p:txBody>
+      </p:sp>
+      <p:sp>
+        <p:nvSpPr>
+          <p:cNvPr id="3" name="Content Placeholder 2">
+            <a:extLst>
+              <a:ext uri="{FF2B5EF4-FFF2-40B4-BE49-F238E27FC236}">
+                <a16:creationId xmlns:a16="http://schemas.microsoft.com/office/drawing/2014/main" id="{752408A3-133A-417C-892A-E3E53FFF2155}"/>
+              </a:ext>
+            </a:extLst>
+          </p:cNvPr>
+          <p:cNvSpPr>
+            <a:spLocks noGrp="1"/>
+          </p:cNvSpPr>
+          <p:nvPr>
+            <p:ph idx="1"/>
+          </p:nvPr>
+        </p:nvSpPr>
+        <p:spPr/>
+        <p:txBody>
+          <a:bodyPr/>
+          <a:lstStyle/>
+          <a:p>
+            <a:r>
+              <a:rPr lang="en-US" dirty="0"/>
+              <a:t>Max Depth: 119</a:t>
+            </a:r>
+          </a:p>
+          <a:p>
+            <a:r>
+              <a:rPr lang="en-US" dirty="0"/>
+              <a:t>Min Impurity Decrease: 0.1</a:t>
+            </a:r>
+          </a:p>
+          <a:p>
+            <a:r>
+              <a:rPr lang="en-US" dirty="0"/>
+              <a:t>Criterion: </a:t>
+            </a:r>
+            <a:r>
+              <a:rPr lang="en-US"/>
+              <a:t>Friedman MSE</a:t>
+            </a:r>
+            <a:endParaRPr lang="en-US" dirty="0"/>
+          </a:p>
+          <a:p>
+            <a:pPr marL="0" indent="0">
+              <a:buNone/>
+            </a:pPr>
+            <a:endParaRPr lang="en-US" dirty="0"/>
+          </a:p>
+          <a:p>
+            <a:pPr marL="0" indent="0">
+              <a:buNone/>
+            </a:pPr>
+            <a:endParaRPr lang="en-US" dirty="0"/>
+          </a:p>
+          <a:p>
+            <a:pPr marL="0" indent="0" algn="ctr">
+              <a:buNone/>
+            </a:pPr>
+            <a:r>
+              <a:rPr lang="en-US" dirty="0"/>
+              <a:t>Found via 5-fold RSCV of 100 candidates</a:t>
+            </a:r>
+          </a:p>
+        </p:txBody>
+      </p:sp>
+    </p:spTree>
+    <p:extLst>
+      <p:ext uri="{BB962C8B-B14F-4D97-AF65-F5344CB8AC3E}">
+        <p14:creationId xmlns:p14="http://schemas.microsoft.com/office/powerpoint/2010/main" val="2380207196"/>
+      </p:ext>
+    </p:extLst>
+  </p:cSld>
+  <p:clrMapOvr>
+    <a:masterClrMapping/>
+  </p:clrMapOvr>
+</p:sld>
+</file>
+
+<file path=ppt/slides/slide12.xml><?xml version="1.0" encoding="utf-8"?>
+<p:sld xmlns:a="http://schemas.openxmlformats.org/drawingml/2006/main" xmlns:r="http://schemas.openxmlformats.org/officeDocument/2006/relationships" xmlns:p="http://schemas.openxmlformats.org/presentationml/2006/main">
+  <p:cSld>
+    <p:spTree>
+      <p:nvGrpSpPr>
+        <p:cNvPr id="1" name=""/>
+        <p:cNvGrpSpPr/>
+        <p:nvPr/>
+      </p:nvGrpSpPr>
+      <p:grpSpPr>
+        <a:xfrm>
+          <a:off x="0" y="0"/>
+          <a:ext cx="0" cy="0"/>
+          <a:chOff x="0" y="0"/>
+          <a:chExt cx="0" cy="0"/>
+        </a:xfrm>
+      </p:grpSpPr>
+      <p:sp>
+        <p:nvSpPr>
+          <p:cNvPr id="2" name="Title 1">
+            <a:extLst>
+              <a:ext uri="{FF2B5EF4-FFF2-40B4-BE49-F238E27FC236}">
                 <a16:creationId xmlns:a16="http://schemas.microsoft.com/office/drawing/2014/main" id="{D321F94C-3C4A-4594-9810-93976A99C3CC}"/>
               </a:ext>
             </a:extLst>
@@ -3650,15 +3876,62 @@
             <p:ph idx="1"/>
           </p:nvPr>
         </p:nvSpPr>
-        <p:spPr/>
-        <p:txBody>
-          <a:bodyPr/>
-          <a:lstStyle/>
-          <a:p>
-            <a:endParaRPr lang="en-US"/>
-          </a:p>
-        </p:txBody>
-      </p:sp>
+        <p:spPr>
+          <a:xfrm>
+            <a:off x="838200" y="5580185"/>
+            <a:ext cx="10515600" cy="848825"/>
+          </a:xfrm>
+        </p:spPr>
+        <p:txBody>
+          <a:bodyPr anchor="ctr"/>
+          <a:lstStyle/>
+          <a:p>
+            <a:pPr marL="0" indent="0" algn="ctr">
+              <a:buNone/>
+            </a:pPr>
+            <a:r>
+              <a:rPr lang="en-US" dirty="0"/>
+              <a:t>MAE: 0.0863</a:t>
+            </a:r>
+          </a:p>
+        </p:txBody>
+      </p:sp>
+      <p:pic>
+        <p:nvPicPr>
+          <p:cNvPr id="6" name="Picture 5" descr="Chart&#10;&#10;Description automatically generated">
+            <a:extLst>
+              <a:ext uri="{FF2B5EF4-FFF2-40B4-BE49-F238E27FC236}">
+                <a16:creationId xmlns:a16="http://schemas.microsoft.com/office/drawing/2014/main" id="{E77CC491-B8E3-4F04-887E-3A0253F7AEB8}"/>
+              </a:ext>
+            </a:extLst>
+          </p:cNvPr>
+          <p:cNvPicPr>
+            <a:picLocks noChangeAspect="1"/>
+          </p:cNvPicPr>
+          <p:nvPr/>
+        </p:nvPicPr>
+        <p:blipFill>
+          <a:blip r:embed="rId2">
+            <a:extLst>
+              <a:ext uri="{28A0092B-C50C-407E-A947-70E740481C1C}">
+                <a14:useLocalDpi xmlns:a14="http://schemas.microsoft.com/office/drawing/2010/main" val="0"/>
+              </a:ext>
+            </a:extLst>
+          </a:blip>
+          <a:stretch>
+            <a:fillRect/>
+          </a:stretch>
+        </p:blipFill>
+        <p:spPr>
+          <a:xfrm>
+            <a:off x="2137853" y="1377415"/>
+            <a:ext cx="7412179" cy="4103170"/>
+          </a:xfrm>
+          <a:prstGeom prst="rect">
+            <a:avLst/>
+          </a:prstGeom>
+        </p:spPr>
+      </p:pic>
     </p:spTree>
     <p:extLst>
       <p:ext uri="{BB962C8B-B14F-4D97-AF65-F5344CB8AC3E}">
@@ -4274,411 +4547,6 @@
         </p:nvSpPr>
         <p:spPr/>
         <p:txBody>
-          <a:bodyPr>
-            <a:normAutofit/>
-          </a:bodyPr>
-          <a:lstStyle/>
-          <a:p>
-            <a:r>
-              <a:rPr lang="en-US" sz="4000" dirty="0">
-                <a:latin typeface="Sitka Subheading" panose="02000505000000020004" pitchFamily="2" charset="0"/>
-              </a:rPr>
-              <a:t>Median Weekly Sales</a:t>
-            </a:r>
-          </a:p>
-        </p:txBody>
-      </p:sp>
-      <p:pic>
-        <p:nvPicPr>
-          <p:cNvPr id="5" name="Picture 4" descr="Chart, histogram&#10;&#10;Description automatically generated">
-            <a:extLst>
-              <a:ext uri="{FF2B5EF4-FFF2-40B4-BE49-F238E27FC236}">
-                <a16:creationId xmlns:a16="http://schemas.microsoft.com/office/drawing/2014/main" id="{F61A8808-7A65-45E7-8C9C-E94BDF2047D7}"/>
-              </a:ext>
-            </a:extLst>
-          </p:cNvPr>
-          <p:cNvPicPr>
-            <a:picLocks noChangeAspect="1"/>
-          </p:cNvPicPr>
-          <p:nvPr/>
-        </p:nvPicPr>
-        <p:blipFill>
-          <a:blip r:embed="rId2">
-            <a:extLst>
-              <a:ext uri="{28A0092B-C50C-407E-A947-70E740481C1C}">
-                <a14:useLocalDpi xmlns:a14="http://schemas.microsoft.com/office/drawing/2010/main" val="0"/>
-              </a:ext>
-            </a:extLst>
-          </a:blip>
-          <a:stretch>
-            <a:fillRect/>
-          </a:stretch>
-        </p:blipFill>
-        <p:spPr>
-          <a:xfrm>
-            <a:off x="1302020" y="1690688"/>
-            <a:ext cx="9587960" cy="3018122"/>
-          </a:xfrm>
-          <a:prstGeom prst="rect">
-            <a:avLst/>
-          </a:prstGeom>
-        </p:spPr>
-      </p:pic>
-      <p:sp>
-        <p:nvSpPr>
-          <p:cNvPr id="14" name="TextBox 13">
-            <a:extLst>
-              <a:ext uri="{FF2B5EF4-FFF2-40B4-BE49-F238E27FC236}">
-                <a16:creationId xmlns:a16="http://schemas.microsoft.com/office/drawing/2014/main" id="{8420F0AE-A42F-42E6-9DC6-D0B88954A01C}"/>
-              </a:ext>
-            </a:extLst>
-          </p:cNvPr>
-          <p:cNvSpPr txBox="1"/>
-          <p:nvPr/>
-        </p:nvSpPr>
-        <p:spPr>
-          <a:xfrm>
-            <a:off x="1954480" y="4934337"/>
-            <a:ext cx="8283039" cy="1200329"/>
-          </a:xfrm>
-          <a:prstGeom prst="rect">
-            <a:avLst/>
-          </a:prstGeom>
-          <a:noFill/>
-        </p:spPr>
-        <p:txBody>
-          <a:bodyPr wrap="square" rtlCol="0" anchor="ctr">
-            <a:spAutoFit/>
-          </a:bodyPr>
-          <a:lstStyle/>
-          <a:p>
-            <a:pPr algn="ctr"/>
-            <a:r>
-              <a:rPr lang="en-US" dirty="0">
-                <a:latin typeface="Sitka Text" panose="02000505000000020004" pitchFamily="2" charset="0"/>
-              </a:rPr>
-              <a:t>We can see that there are sales peaks around the U.S. holidays, with relative stability the rest of the year, and that these trends are annual</a:t>
-            </a:r>
-          </a:p>
-          <a:p>
-            <a:pPr algn="ctr"/>
-            <a:endParaRPr lang="en-US" dirty="0">
-              <a:latin typeface="Sitka Text" panose="02000505000000020004" pitchFamily="2" charset="0"/>
-            </a:endParaRPr>
-          </a:p>
-          <a:p>
-            <a:pPr algn="ctr"/>
-            <a:r>
-              <a:rPr lang="en-US" dirty="0">
-                <a:latin typeface="Sitka Text" panose="02000505000000020004" pitchFamily="2" charset="0"/>
-              </a:rPr>
-              <a:t>Mean weekly sales plotted looks nearly identical, but higher</a:t>
-            </a:r>
-          </a:p>
-        </p:txBody>
-      </p:sp>
-    </p:spTree>
-    <p:extLst>
-      <p:ext uri="{BB962C8B-B14F-4D97-AF65-F5344CB8AC3E}">
-        <p14:creationId xmlns:p14="http://schemas.microsoft.com/office/powerpoint/2010/main" val="498324191"/>
-      </p:ext>
-    </p:extLst>
-  </p:cSld>
-  <p:clrMapOvr>
-    <a:masterClrMapping/>
-  </p:clrMapOvr>
-</p:sld>
-</file>
-
-<file path=ppt/slides/slide7.xml><?xml version="1.0" encoding="utf-8"?>
-<p:sld xmlns:a="http://schemas.openxmlformats.org/drawingml/2006/main" xmlns:r="http://schemas.openxmlformats.org/officeDocument/2006/relationships" xmlns:p="http://schemas.openxmlformats.org/presentationml/2006/main">
-  <p:cSld>
-    <p:spTree>
-      <p:nvGrpSpPr>
-        <p:cNvPr id="1" name=""/>
-        <p:cNvGrpSpPr/>
-        <p:nvPr/>
-      </p:nvGrpSpPr>
-      <p:grpSpPr>
-        <a:xfrm>
-          <a:off x="0" y="0"/>
-          <a:ext cx="0" cy="0"/>
-          <a:chOff x="0" y="0"/>
-          <a:chExt cx="0" cy="0"/>
-        </a:xfrm>
-      </p:grpSpPr>
-      <p:sp>
-        <p:nvSpPr>
-          <p:cNvPr id="2" name="Title 1">
-            <a:extLst>
-              <a:ext uri="{FF2B5EF4-FFF2-40B4-BE49-F238E27FC236}">
-                <a16:creationId xmlns:a16="http://schemas.microsoft.com/office/drawing/2014/main" id="{57144DB2-1684-4AEF-8768-B9F737A20452}"/>
-              </a:ext>
-            </a:extLst>
-          </p:cNvPr>
-          <p:cNvSpPr>
-            <a:spLocks noGrp="1"/>
-          </p:cNvSpPr>
-          <p:nvPr>
-            <p:ph type="title"/>
-          </p:nvPr>
-        </p:nvSpPr>
-        <p:spPr/>
-        <p:txBody>
-          <a:bodyPr>
-            <a:normAutofit/>
-          </a:bodyPr>
-          <a:lstStyle/>
-          <a:p>
-            <a:r>
-              <a:rPr lang="en-US" sz="4000" dirty="0">
-                <a:latin typeface="Sitka Subheading" panose="02000505000000020004" pitchFamily="2" charset="0"/>
-              </a:rPr>
-              <a:t>Mean vs Median Weekly Sales</a:t>
-            </a:r>
-          </a:p>
-        </p:txBody>
-      </p:sp>
-      <p:sp>
-        <p:nvSpPr>
-          <p:cNvPr id="3" name="Content Placeholder 2">
-            <a:extLst>
-              <a:ext uri="{FF2B5EF4-FFF2-40B4-BE49-F238E27FC236}">
-                <a16:creationId xmlns:a16="http://schemas.microsoft.com/office/drawing/2014/main" id="{08392AA1-5DBD-4CDE-BAA7-3823971B90BE}"/>
-              </a:ext>
-            </a:extLst>
-          </p:cNvPr>
-          <p:cNvSpPr>
-            <a:spLocks noGrp="1"/>
-          </p:cNvSpPr>
-          <p:nvPr>
-            <p:ph idx="1"/>
-          </p:nvPr>
-        </p:nvSpPr>
-        <p:spPr>
-          <a:xfrm>
-            <a:off x="838200" y="4952019"/>
-            <a:ext cx="10515600" cy="1646527"/>
-          </a:xfrm>
-        </p:spPr>
-        <p:txBody>
-          <a:bodyPr anchor="ctr"/>
-          <a:lstStyle/>
-          <a:p>
-            <a:pPr marL="0" indent="0" algn="ctr">
-              <a:buNone/>
-            </a:pPr>
-            <a:r>
-              <a:rPr lang="en-US" dirty="0">
-                <a:latin typeface="Sitka Text" panose="02000505000000020004" pitchFamily="2" charset="0"/>
-              </a:rPr>
-              <a:t>It’s apparent via the difference between the mean and medians that there are values with extremely high values relative to the rest of the dataset</a:t>
-            </a:r>
-          </a:p>
-        </p:txBody>
-      </p:sp>
-      <p:pic>
-        <p:nvPicPr>
-          <p:cNvPr id="4" name="Picture 3" descr="A picture containing chart&#10;&#10;Description automatically generated">
-            <a:extLst>
-              <a:ext uri="{FF2B5EF4-FFF2-40B4-BE49-F238E27FC236}">
-                <a16:creationId xmlns:a16="http://schemas.microsoft.com/office/drawing/2014/main" id="{869E5096-18C0-471A-B152-EA86A85B10DD}"/>
-              </a:ext>
-            </a:extLst>
-          </p:cNvPr>
-          <p:cNvPicPr>
-            <a:picLocks noChangeAspect="1"/>
-          </p:cNvPicPr>
-          <p:nvPr/>
-        </p:nvPicPr>
-        <p:blipFill>
-          <a:blip r:embed="rId2">
-            <a:extLst>
-              <a:ext uri="{28A0092B-C50C-407E-A947-70E740481C1C}">
-                <a14:useLocalDpi xmlns:a14="http://schemas.microsoft.com/office/drawing/2010/main" val="0"/>
-              </a:ext>
-            </a:extLst>
-          </a:blip>
-          <a:stretch>
-            <a:fillRect/>
-          </a:stretch>
-        </p:blipFill>
-        <p:spPr>
-          <a:xfrm>
-            <a:off x="2743264" y="1470724"/>
-            <a:ext cx="6705472" cy="3398166"/>
-          </a:xfrm>
-          <a:prstGeom prst="rect">
-            <a:avLst/>
-          </a:prstGeom>
-        </p:spPr>
-      </p:pic>
-      <p:sp>
-        <p:nvSpPr>
-          <p:cNvPr id="5" name="TextBox 4">
-            <a:extLst>
-              <a:ext uri="{FF2B5EF4-FFF2-40B4-BE49-F238E27FC236}">
-                <a16:creationId xmlns:a16="http://schemas.microsoft.com/office/drawing/2014/main" id="{858846E5-28C4-4ED4-9B71-D53B3A3A7E4C}"/>
-              </a:ext>
-            </a:extLst>
-          </p:cNvPr>
-          <p:cNvSpPr txBox="1"/>
-          <p:nvPr/>
-        </p:nvSpPr>
-        <p:spPr>
-          <a:xfrm>
-            <a:off x="427451" y="2134743"/>
-            <a:ext cx="2078182" cy="1785104"/>
-          </a:xfrm>
-          <a:prstGeom prst="rect">
-            <a:avLst/>
-          </a:prstGeom>
-          <a:noFill/>
-          <a:ln>
-            <a:solidFill>
-              <a:schemeClr val="bg1"/>
-            </a:solidFill>
-          </a:ln>
-        </p:spPr>
-        <p:txBody>
-          <a:bodyPr wrap="square" rtlCol="0" anchor="ctr">
-            <a:spAutoFit/>
-          </a:bodyPr>
-          <a:lstStyle/>
-          <a:p>
-            <a:pPr algn="ctr"/>
-            <a:r>
-              <a:rPr lang="en-US" sz="1000" u="sng" dirty="0">
-                <a:latin typeface="Sitka Text" panose="02000505000000020004" pitchFamily="2" charset="0"/>
-              </a:rPr>
-              <a:t>Boxplot Description:</a:t>
-            </a:r>
-          </a:p>
-          <a:p>
-            <a:pPr algn="ctr"/>
-            <a:endParaRPr lang="en-US" sz="1000" dirty="0">
-              <a:latin typeface="Sitka Text" panose="02000505000000020004" pitchFamily="2" charset="0"/>
-            </a:endParaRPr>
-          </a:p>
-          <a:p>
-            <a:pPr algn="ctr"/>
-            <a:endParaRPr lang="en-US" sz="1000" dirty="0">
-              <a:latin typeface="Sitka Text" panose="02000505000000020004" pitchFamily="2" charset="0"/>
-            </a:endParaRPr>
-          </a:p>
-          <a:p>
-            <a:pPr algn="ctr"/>
-            <a:r>
-              <a:rPr lang="en-US" sz="1000" dirty="0">
-                <a:latin typeface="Sitka Text" panose="02000505000000020004" pitchFamily="2" charset="0"/>
-              </a:rPr>
-              <a:t>Points – Outliers</a:t>
-            </a:r>
-          </a:p>
-          <a:p>
-            <a:pPr algn="ctr"/>
-            <a:endParaRPr lang="en-US" sz="1000" dirty="0">
-              <a:latin typeface="Sitka Text" panose="02000505000000020004" pitchFamily="2" charset="0"/>
-            </a:endParaRPr>
-          </a:p>
-          <a:p>
-            <a:pPr algn="ctr"/>
-            <a:r>
-              <a:rPr lang="en-US" sz="1000" dirty="0">
-                <a:latin typeface="Sitka Text" panose="02000505000000020004" pitchFamily="2" charset="0"/>
-              </a:rPr>
-              <a:t>Top Whisker – Maximum</a:t>
-            </a:r>
-          </a:p>
-          <a:p>
-            <a:pPr algn="ctr"/>
-            <a:endParaRPr lang="en-US" sz="1000" dirty="0">
-              <a:latin typeface="Sitka Text" panose="02000505000000020004" pitchFamily="2" charset="0"/>
-            </a:endParaRPr>
-          </a:p>
-          <a:p>
-            <a:pPr algn="ctr"/>
-            <a:r>
-              <a:rPr lang="en-US" sz="1000" dirty="0">
-                <a:latin typeface="Sitka Text" panose="02000505000000020004" pitchFamily="2" charset="0"/>
-              </a:rPr>
-              <a:t>Bottom Whisker – Minimum</a:t>
-            </a:r>
-          </a:p>
-          <a:p>
-            <a:pPr algn="ctr"/>
-            <a:endParaRPr lang="en-US" sz="1000" dirty="0">
-              <a:latin typeface="Sitka Text" panose="02000505000000020004" pitchFamily="2" charset="0"/>
-            </a:endParaRPr>
-          </a:p>
-          <a:p>
-            <a:pPr algn="ctr"/>
-            <a:r>
-              <a:rPr lang="en-US" sz="1000" dirty="0">
-                <a:latin typeface="Sitka Text" panose="02000505000000020004" pitchFamily="2" charset="0"/>
-              </a:rPr>
-              <a:t>Box – Interquartile Range</a:t>
-            </a:r>
-          </a:p>
-          <a:p>
-            <a:pPr algn="ctr"/>
-            <a:r>
-              <a:rPr lang="en-US" sz="1000" dirty="0">
-                <a:latin typeface="Sitka Text" panose="02000505000000020004" pitchFamily="2" charset="0"/>
-              </a:rPr>
-              <a:t>i.e. 0.25, 0.50, 0.75 percentiles</a:t>
-            </a:r>
-          </a:p>
-        </p:txBody>
-      </p:sp>
-    </p:spTree>
-    <p:extLst>
-      <p:ext uri="{BB962C8B-B14F-4D97-AF65-F5344CB8AC3E}">
-        <p14:creationId xmlns:p14="http://schemas.microsoft.com/office/powerpoint/2010/main" val="2052738278"/>
-      </p:ext>
-    </p:extLst>
-  </p:cSld>
-  <p:clrMapOvr>
-    <a:masterClrMapping/>
-  </p:clrMapOvr>
-</p:sld>
-</file>
-
-<file path=ppt/slides/slide8.xml><?xml version="1.0" encoding="utf-8"?>
-<p:sld xmlns:a="http://schemas.openxmlformats.org/drawingml/2006/main" xmlns:r="http://schemas.openxmlformats.org/officeDocument/2006/relationships" xmlns:p="http://schemas.openxmlformats.org/presentationml/2006/main">
-  <p:cSld>
-    <p:spTree>
-      <p:nvGrpSpPr>
-        <p:cNvPr id="1" name=""/>
-        <p:cNvGrpSpPr/>
-        <p:nvPr/>
-      </p:nvGrpSpPr>
-      <p:grpSpPr>
-        <a:xfrm>
-          <a:off x="0" y="0"/>
-          <a:ext cx="0" cy="0"/>
-          <a:chOff x="0" y="0"/>
-          <a:chExt cx="0" cy="0"/>
-        </a:xfrm>
-      </p:grpSpPr>
-      <p:sp>
-        <p:nvSpPr>
-          <p:cNvPr id="2" name="Title 1">
-            <a:extLst>
-              <a:ext uri="{FF2B5EF4-FFF2-40B4-BE49-F238E27FC236}">
-                <a16:creationId xmlns:a16="http://schemas.microsoft.com/office/drawing/2014/main" id="{57144DB2-1684-4AEF-8768-B9F737A20452}"/>
-              </a:ext>
-            </a:extLst>
-          </p:cNvPr>
-          <p:cNvSpPr>
-            <a:spLocks noGrp="1"/>
-          </p:cNvSpPr>
-          <p:nvPr>
-            <p:ph type="title"/>
-          </p:nvPr>
-        </p:nvSpPr>
-        <p:spPr/>
-        <p:txBody>
           <a:bodyPr/>
           <a:lstStyle/>
           <a:p>
@@ -4778,6 +4646,411 @@
 </p:sld>
 </file>
 
+<file path=ppt/slides/slide7.xml><?xml version="1.0" encoding="utf-8"?>
+<p:sld xmlns:a="http://schemas.openxmlformats.org/drawingml/2006/main" xmlns:r="http://schemas.openxmlformats.org/officeDocument/2006/relationships" xmlns:p="http://schemas.openxmlformats.org/presentationml/2006/main">
+  <p:cSld>
+    <p:spTree>
+      <p:nvGrpSpPr>
+        <p:cNvPr id="1" name=""/>
+        <p:cNvGrpSpPr/>
+        <p:nvPr/>
+      </p:nvGrpSpPr>
+      <p:grpSpPr>
+        <a:xfrm>
+          <a:off x="0" y="0"/>
+          <a:ext cx="0" cy="0"/>
+          <a:chOff x="0" y="0"/>
+          <a:chExt cx="0" cy="0"/>
+        </a:xfrm>
+      </p:grpSpPr>
+      <p:sp>
+        <p:nvSpPr>
+          <p:cNvPr id="2" name="Title 1">
+            <a:extLst>
+              <a:ext uri="{FF2B5EF4-FFF2-40B4-BE49-F238E27FC236}">
+                <a16:creationId xmlns:a16="http://schemas.microsoft.com/office/drawing/2014/main" id="{57144DB2-1684-4AEF-8768-B9F737A20452}"/>
+              </a:ext>
+            </a:extLst>
+          </p:cNvPr>
+          <p:cNvSpPr>
+            <a:spLocks noGrp="1"/>
+          </p:cNvSpPr>
+          <p:nvPr>
+            <p:ph type="title"/>
+          </p:nvPr>
+        </p:nvSpPr>
+        <p:spPr/>
+        <p:txBody>
+          <a:bodyPr>
+            <a:normAutofit/>
+          </a:bodyPr>
+          <a:lstStyle/>
+          <a:p>
+            <a:r>
+              <a:rPr lang="en-US" sz="4000" dirty="0">
+                <a:latin typeface="Sitka Subheading" panose="02000505000000020004" pitchFamily="2" charset="0"/>
+              </a:rPr>
+              <a:t>Median Weekly Sales</a:t>
+            </a:r>
+          </a:p>
+        </p:txBody>
+      </p:sp>
+      <p:pic>
+        <p:nvPicPr>
+          <p:cNvPr id="5" name="Picture 4" descr="Chart, histogram&#10;&#10;Description automatically generated">
+            <a:extLst>
+              <a:ext uri="{FF2B5EF4-FFF2-40B4-BE49-F238E27FC236}">
+                <a16:creationId xmlns:a16="http://schemas.microsoft.com/office/drawing/2014/main" id="{F61A8808-7A65-45E7-8C9C-E94BDF2047D7}"/>
+              </a:ext>
+            </a:extLst>
+          </p:cNvPr>
+          <p:cNvPicPr>
+            <a:picLocks noChangeAspect="1"/>
+          </p:cNvPicPr>
+          <p:nvPr/>
+        </p:nvPicPr>
+        <p:blipFill>
+          <a:blip r:embed="rId2">
+            <a:extLst>
+              <a:ext uri="{28A0092B-C50C-407E-A947-70E740481C1C}">
+                <a14:useLocalDpi xmlns:a14="http://schemas.microsoft.com/office/drawing/2010/main" val="0"/>
+              </a:ext>
+            </a:extLst>
+          </a:blip>
+          <a:stretch>
+            <a:fillRect/>
+          </a:stretch>
+        </p:blipFill>
+        <p:spPr>
+          <a:xfrm>
+            <a:off x="1302020" y="1690688"/>
+            <a:ext cx="9587960" cy="3018122"/>
+          </a:xfrm>
+          <a:prstGeom prst="rect">
+            <a:avLst/>
+          </a:prstGeom>
+        </p:spPr>
+      </p:pic>
+      <p:sp>
+        <p:nvSpPr>
+          <p:cNvPr id="14" name="TextBox 13">
+            <a:extLst>
+              <a:ext uri="{FF2B5EF4-FFF2-40B4-BE49-F238E27FC236}">
+                <a16:creationId xmlns:a16="http://schemas.microsoft.com/office/drawing/2014/main" id="{8420F0AE-A42F-42E6-9DC6-D0B88954A01C}"/>
+              </a:ext>
+            </a:extLst>
+          </p:cNvPr>
+          <p:cNvSpPr txBox="1"/>
+          <p:nvPr/>
+        </p:nvSpPr>
+        <p:spPr>
+          <a:xfrm>
+            <a:off x="1954480" y="4934337"/>
+            <a:ext cx="8283039" cy="1200329"/>
+          </a:xfrm>
+          <a:prstGeom prst="rect">
+            <a:avLst/>
+          </a:prstGeom>
+          <a:noFill/>
+        </p:spPr>
+        <p:txBody>
+          <a:bodyPr wrap="square" rtlCol="0" anchor="ctr">
+            <a:spAutoFit/>
+          </a:bodyPr>
+          <a:lstStyle/>
+          <a:p>
+            <a:pPr algn="ctr"/>
+            <a:r>
+              <a:rPr lang="en-US" dirty="0">
+                <a:latin typeface="Sitka Text" panose="02000505000000020004" pitchFamily="2" charset="0"/>
+              </a:rPr>
+              <a:t>We can see that there are sales peaks around the U.S. holidays, with relative stability the rest of the year, and that these trends are annual</a:t>
+            </a:r>
+          </a:p>
+          <a:p>
+            <a:pPr algn="ctr"/>
+            <a:endParaRPr lang="en-US" dirty="0">
+              <a:latin typeface="Sitka Text" panose="02000505000000020004" pitchFamily="2" charset="0"/>
+            </a:endParaRPr>
+          </a:p>
+          <a:p>
+            <a:pPr algn="ctr"/>
+            <a:r>
+              <a:rPr lang="en-US" dirty="0">
+                <a:latin typeface="Sitka Text" panose="02000505000000020004" pitchFamily="2" charset="0"/>
+              </a:rPr>
+              <a:t>Mean weekly sales plotted looks nearly identical, but higher</a:t>
+            </a:r>
+          </a:p>
+        </p:txBody>
+      </p:sp>
+    </p:spTree>
+    <p:extLst>
+      <p:ext uri="{BB962C8B-B14F-4D97-AF65-F5344CB8AC3E}">
+        <p14:creationId xmlns:p14="http://schemas.microsoft.com/office/powerpoint/2010/main" val="498324191"/>
+      </p:ext>
+    </p:extLst>
+  </p:cSld>
+  <p:clrMapOvr>
+    <a:masterClrMapping/>
+  </p:clrMapOvr>
+</p:sld>
+</file>
+
+<file path=ppt/slides/slide8.xml><?xml version="1.0" encoding="utf-8"?>
+<p:sld xmlns:a="http://schemas.openxmlformats.org/drawingml/2006/main" xmlns:r="http://schemas.openxmlformats.org/officeDocument/2006/relationships" xmlns:p="http://schemas.openxmlformats.org/presentationml/2006/main">
+  <p:cSld>
+    <p:spTree>
+      <p:nvGrpSpPr>
+        <p:cNvPr id="1" name=""/>
+        <p:cNvGrpSpPr/>
+        <p:nvPr/>
+      </p:nvGrpSpPr>
+      <p:grpSpPr>
+        <a:xfrm>
+          <a:off x="0" y="0"/>
+          <a:ext cx="0" cy="0"/>
+          <a:chOff x="0" y="0"/>
+          <a:chExt cx="0" cy="0"/>
+        </a:xfrm>
+      </p:grpSpPr>
+      <p:sp>
+        <p:nvSpPr>
+          <p:cNvPr id="2" name="Title 1">
+            <a:extLst>
+              <a:ext uri="{FF2B5EF4-FFF2-40B4-BE49-F238E27FC236}">
+                <a16:creationId xmlns:a16="http://schemas.microsoft.com/office/drawing/2014/main" id="{57144DB2-1684-4AEF-8768-B9F737A20452}"/>
+              </a:ext>
+            </a:extLst>
+          </p:cNvPr>
+          <p:cNvSpPr>
+            <a:spLocks noGrp="1"/>
+          </p:cNvSpPr>
+          <p:nvPr>
+            <p:ph type="title"/>
+          </p:nvPr>
+        </p:nvSpPr>
+        <p:spPr/>
+        <p:txBody>
+          <a:bodyPr>
+            <a:normAutofit/>
+          </a:bodyPr>
+          <a:lstStyle/>
+          <a:p>
+            <a:r>
+              <a:rPr lang="en-US" sz="4000" dirty="0">
+                <a:latin typeface="Sitka Subheading" panose="02000505000000020004" pitchFamily="2" charset="0"/>
+              </a:rPr>
+              <a:t>Mean vs Median Weekly Sales</a:t>
+            </a:r>
+          </a:p>
+        </p:txBody>
+      </p:sp>
+      <p:sp>
+        <p:nvSpPr>
+          <p:cNvPr id="3" name="Content Placeholder 2">
+            <a:extLst>
+              <a:ext uri="{FF2B5EF4-FFF2-40B4-BE49-F238E27FC236}">
+                <a16:creationId xmlns:a16="http://schemas.microsoft.com/office/drawing/2014/main" id="{08392AA1-5DBD-4CDE-BAA7-3823971B90BE}"/>
+              </a:ext>
+            </a:extLst>
+          </p:cNvPr>
+          <p:cNvSpPr>
+            <a:spLocks noGrp="1"/>
+          </p:cNvSpPr>
+          <p:nvPr>
+            <p:ph idx="1"/>
+          </p:nvPr>
+        </p:nvSpPr>
+        <p:spPr>
+          <a:xfrm>
+            <a:off x="838200" y="4952019"/>
+            <a:ext cx="10515600" cy="1646527"/>
+          </a:xfrm>
+        </p:spPr>
+        <p:txBody>
+          <a:bodyPr anchor="ctr"/>
+          <a:lstStyle/>
+          <a:p>
+            <a:pPr marL="0" indent="0" algn="ctr">
+              <a:buNone/>
+            </a:pPr>
+            <a:r>
+              <a:rPr lang="en-US" dirty="0">
+                <a:latin typeface="Sitka Text" panose="02000505000000020004" pitchFamily="2" charset="0"/>
+              </a:rPr>
+              <a:t>It’s apparent via the difference between the mean and medians that there are values with extremely high values relative to the rest of the dataset</a:t>
+            </a:r>
+          </a:p>
+        </p:txBody>
+      </p:sp>
+      <p:pic>
+        <p:nvPicPr>
+          <p:cNvPr id="4" name="Picture 3" descr="A picture containing chart&#10;&#10;Description automatically generated">
+            <a:extLst>
+              <a:ext uri="{FF2B5EF4-FFF2-40B4-BE49-F238E27FC236}">
+                <a16:creationId xmlns:a16="http://schemas.microsoft.com/office/drawing/2014/main" id="{869E5096-18C0-471A-B152-EA86A85B10DD}"/>
+              </a:ext>
+            </a:extLst>
+          </p:cNvPr>
+          <p:cNvPicPr>
+            <a:picLocks noChangeAspect="1"/>
+          </p:cNvPicPr>
+          <p:nvPr/>
+        </p:nvPicPr>
+        <p:blipFill>
+          <a:blip r:embed="rId2">
+            <a:extLst>
+              <a:ext uri="{28A0092B-C50C-407E-A947-70E740481C1C}">
+                <a14:useLocalDpi xmlns:a14="http://schemas.microsoft.com/office/drawing/2010/main" val="0"/>
+              </a:ext>
+            </a:extLst>
+          </a:blip>
+          <a:stretch>
+            <a:fillRect/>
+          </a:stretch>
+        </p:blipFill>
+        <p:spPr>
+          <a:xfrm>
+            <a:off x="2743264" y="1470724"/>
+            <a:ext cx="6705472" cy="3398166"/>
+          </a:xfrm>
+          <a:prstGeom prst="rect">
+            <a:avLst/>
+          </a:prstGeom>
+        </p:spPr>
+      </p:pic>
+      <p:sp>
+        <p:nvSpPr>
+          <p:cNvPr id="5" name="TextBox 4">
+            <a:extLst>
+              <a:ext uri="{FF2B5EF4-FFF2-40B4-BE49-F238E27FC236}">
+                <a16:creationId xmlns:a16="http://schemas.microsoft.com/office/drawing/2014/main" id="{858846E5-28C4-4ED4-9B71-D53B3A3A7E4C}"/>
+              </a:ext>
+            </a:extLst>
+          </p:cNvPr>
+          <p:cNvSpPr txBox="1"/>
+          <p:nvPr/>
+        </p:nvSpPr>
+        <p:spPr>
+          <a:xfrm>
+            <a:off x="427451" y="2134743"/>
+            <a:ext cx="2078182" cy="1785104"/>
+          </a:xfrm>
+          <a:prstGeom prst="rect">
+            <a:avLst/>
+          </a:prstGeom>
+          <a:noFill/>
+          <a:ln>
+            <a:solidFill>
+              <a:schemeClr val="bg1"/>
+            </a:solidFill>
+          </a:ln>
+        </p:spPr>
+        <p:txBody>
+          <a:bodyPr wrap="square" rtlCol="0" anchor="ctr">
+            <a:spAutoFit/>
+          </a:bodyPr>
+          <a:lstStyle/>
+          <a:p>
+            <a:pPr algn="ctr"/>
+            <a:r>
+              <a:rPr lang="en-US" sz="1000" u="sng" dirty="0">
+                <a:latin typeface="Sitka Text" panose="02000505000000020004" pitchFamily="2" charset="0"/>
+              </a:rPr>
+              <a:t>Boxplot Description:</a:t>
+            </a:r>
+          </a:p>
+          <a:p>
+            <a:pPr algn="ctr"/>
+            <a:endParaRPr lang="en-US" sz="1000" dirty="0">
+              <a:latin typeface="Sitka Text" panose="02000505000000020004" pitchFamily="2" charset="0"/>
+            </a:endParaRPr>
+          </a:p>
+          <a:p>
+            <a:pPr algn="ctr"/>
+            <a:endParaRPr lang="en-US" sz="1000" dirty="0">
+              <a:latin typeface="Sitka Text" panose="02000505000000020004" pitchFamily="2" charset="0"/>
+            </a:endParaRPr>
+          </a:p>
+          <a:p>
+            <a:pPr algn="ctr"/>
+            <a:r>
+              <a:rPr lang="en-US" sz="1000" dirty="0">
+                <a:latin typeface="Sitka Text" panose="02000505000000020004" pitchFamily="2" charset="0"/>
+              </a:rPr>
+              <a:t>Points – Outliers</a:t>
+            </a:r>
+          </a:p>
+          <a:p>
+            <a:pPr algn="ctr"/>
+            <a:endParaRPr lang="en-US" sz="1000" dirty="0">
+              <a:latin typeface="Sitka Text" panose="02000505000000020004" pitchFamily="2" charset="0"/>
+            </a:endParaRPr>
+          </a:p>
+          <a:p>
+            <a:pPr algn="ctr"/>
+            <a:r>
+              <a:rPr lang="en-US" sz="1000" dirty="0">
+                <a:latin typeface="Sitka Text" panose="02000505000000020004" pitchFamily="2" charset="0"/>
+              </a:rPr>
+              <a:t>Top Whisker – Maximum</a:t>
+            </a:r>
+          </a:p>
+          <a:p>
+            <a:pPr algn="ctr"/>
+            <a:endParaRPr lang="en-US" sz="1000" dirty="0">
+              <a:latin typeface="Sitka Text" panose="02000505000000020004" pitchFamily="2" charset="0"/>
+            </a:endParaRPr>
+          </a:p>
+          <a:p>
+            <a:pPr algn="ctr"/>
+            <a:r>
+              <a:rPr lang="en-US" sz="1000" dirty="0">
+                <a:latin typeface="Sitka Text" panose="02000505000000020004" pitchFamily="2" charset="0"/>
+              </a:rPr>
+              <a:t>Bottom Whisker – Minimum</a:t>
+            </a:r>
+          </a:p>
+          <a:p>
+            <a:pPr algn="ctr"/>
+            <a:endParaRPr lang="en-US" sz="1000" dirty="0">
+              <a:latin typeface="Sitka Text" panose="02000505000000020004" pitchFamily="2" charset="0"/>
+            </a:endParaRPr>
+          </a:p>
+          <a:p>
+            <a:pPr algn="ctr"/>
+            <a:r>
+              <a:rPr lang="en-US" sz="1000" dirty="0">
+                <a:latin typeface="Sitka Text" panose="02000505000000020004" pitchFamily="2" charset="0"/>
+              </a:rPr>
+              <a:t>Box – Interquartile Range</a:t>
+            </a:r>
+          </a:p>
+          <a:p>
+            <a:pPr algn="ctr"/>
+            <a:r>
+              <a:rPr lang="en-US" sz="1000" dirty="0">
+                <a:latin typeface="Sitka Text" panose="02000505000000020004" pitchFamily="2" charset="0"/>
+              </a:rPr>
+              <a:t>i.e. 0.25, 0.50, 0.75 percentiles</a:t>
+            </a:r>
+          </a:p>
+        </p:txBody>
+      </p:sp>
+    </p:spTree>
+    <p:extLst>
+      <p:ext uri="{BB962C8B-B14F-4D97-AF65-F5344CB8AC3E}">
+        <p14:creationId xmlns:p14="http://schemas.microsoft.com/office/powerpoint/2010/main" val="2052738278"/>
+      </p:ext>
+    </p:extLst>
+  </p:cSld>
+  <p:clrMapOvr>
+    <a:masterClrMapping/>
+  </p:clrMapOvr>
+</p:sld>
+</file>
+
 <file path=ppt/slides/slide9.xml><?xml version="1.0" encoding="utf-8"?>
 <p:sld xmlns:a="http://schemas.openxmlformats.org/drawingml/2006/main" xmlns:r="http://schemas.openxmlformats.org/officeDocument/2006/relationships" xmlns:p="http://schemas.openxmlformats.org/presentationml/2006/main">
   <p:cSld>
@@ -4800,7 +5073,7 @@
           <p:cNvPr id="2" name="Title 1">
             <a:extLst>
               <a:ext uri="{FF2B5EF4-FFF2-40B4-BE49-F238E27FC236}">
-                <a16:creationId xmlns:a16="http://schemas.microsoft.com/office/drawing/2014/main" id="{1DBBB74F-3F06-4AC2-97B9-1E6E4B36808C}"/>
+                <a16:creationId xmlns:a16="http://schemas.microsoft.com/office/drawing/2014/main" id="{512C118D-EEF9-4B22-8A93-ADD704F6FA8B}"/>
               </a:ext>
             </a:extLst>
           </p:cNvPr>
@@ -4818,17 +5091,17 @@
           <a:p>
             <a:r>
               <a:rPr lang="en-US" dirty="0"/>
-              <a:t>Model Experimentation - Performances</a:t>
-            </a:r>
-          </a:p>
-        </p:txBody>
-      </p:sp>
-      <p:sp>
-        <p:nvSpPr>
-          <p:cNvPr id="3" name="Content Placeholder 2">
-            <a:extLst>
-              <a:ext uri="{FF2B5EF4-FFF2-40B4-BE49-F238E27FC236}">
-                <a16:creationId xmlns:a16="http://schemas.microsoft.com/office/drawing/2014/main" id="{8509B1FB-FCAF-496D-AA52-B81520FB0B9E}"/>
+              <a:t>The Holidays</a:t>
+            </a:r>
+          </a:p>
+        </p:txBody>
+      </p:sp>
+      <p:sp>
+        <p:nvSpPr>
+          <p:cNvPr id="7" name="Content Placeholder 6">
+            <a:extLst>
+              <a:ext uri="{FF2B5EF4-FFF2-40B4-BE49-F238E27FC236}">
+                <a16:creationId xmlns:a16="http://schemas.microsoft.com/office/drawing/2014/main" id="{E7625860-B2EB-40EE-A3A9-54CA10C6755C}"/>
               </a:ext>
             </a:extLst>
           </p:cNvPr>
@@ -4841,13 +5114,13 @@
         </p:nvSpPr>
         <p:spPr>
           <a:xfrm>
-            <a:off x="2069123" y="4915879"/>
-            <a:ext cx="8053754" cy="1325564"/>
+            <a:off x="838200" y="5267577"/>
+            <a:ext cx="10515600" cy="1325564"/>
           </a:xfrm>
         </p:spPr>
         <p:txBody>
           <a:bodyPr anchor="ctr">
-            <a:normAutofit fontScale="77500" lnSpcReduction="20000"/>
+            <a:normAutofit/>
           </a:bodyPr>
           <a:lstStyle/>
           <a:p>
@@ -4855,33 +5128,34 @@
               <a:buNone/>
             </a:pPr>
             <a:r>
-              <a:rPr lang="en-US" dirty="0"/>
-              <a:t>Random-forest achieved the lowest MAE, but only marginally compared to a decision tree.</a:t>
+              <a:rPr lang="en-US" sz="2000" dirty="0"/>
+              <a:t>Trends were visibly annual, with spikes around the holidays:</a:t>
             </a:r>
           </a:p>
           <a:p>
             <a:pPr marL="0" indent="0" algn="ctr">
               <a:buNone/>
             </a:pPr>
-            <a:endParaRPr lang="en-US" dirty="0"/>
-          </a:p>
-          <a:p>
-            <a:pPr marL="0" indent="0" algn="ctr">
-              <a:buNone/>
-            </a:pPr>
-            <a:r>
-              <a:rPr lang="en-US" dirty="0"/>
-              <a:t>Especially when considering the difference in training time.</a:t>
-            </a:r>
+            <a:r>
+              <a:rPr lang="en-US" sz="2000" dirty="0"/>
+              <a:t>Super Bowl, Labor Day, Thanksgiving, Christmas L</a:t>
+            </a:r>
+            <a:r>
+              <a:rPr lang="en-US" sz="2000" dirty="0">
+                <a:sym typeface="Wingdings" panose="05000000000000000000" pitchFamily="2" charset="2"/>
+              </a:rPr>
+              <a:t>R</a:t>
+            </a:r>
+            <a:endParaRPr lang="en-US" sz="2000" dirty="0"/>
           </a:p>
         </p:txBody>
       </p:sp>
       <p:pic>
         <p:nvPicPr>
-          <p:cNvPr id="5" name="Picture 4">
-            <a:extLst>
-              <a:ext uri="{FF2B5EF4-FFF2-40B4-BE49-F238E27FC236}">
-                <a16:creationId xmlns:a16="http://schemas.microsoft.com/office/drawing/2014/main" id="{5AB6AE81-C177-4968-AA8D-161882158AD5}"/>
+          <p:cNvPr id="9" name="Content Placeholder 4">
+            <a:extLst>
+              <a:ext uri="{FF2B5EF4-FFF2-40B4-BE49-F238E27FC236}">
+                <a16:creationId xmlns:a16="http://schemas.microsoft.com/office/drawing/2014/main" id="{E27D7808-5929-4568-B2E6-78D1C30A8460}"/>
               </a:ext>
             </a:extLst>
           </p:cNvPr>
@@ -4891,72 +5165,31 @@
           <p:nvPr/>
         </p:nvPicPr>
         <p:blipFill>
-          <a:blip r:embed="rId2"/>
+          <a:blip r:embed="rId2">
+            <a:extLst>
+              <a:ext uri="{28A0092B-C50C-407E-A947-70E740481C1C}">
+                <a14:useLocalDpi xmlns:a14="http://schemas.microsoft.com/office/drawing/2010/main" val="0"/>
+              </a:ext>
+            </a:extLst>
+          </a:blip>
           <a:stretch>
             <a:fillRect/>
           </a:stretch>
         </p:blipFill>
         <p:spPr>
           <a:xfrm>
-            <a:off x="3476625" y="1690688"/>
-            <a:ext cx="5238750" cy="2857500"/>
+            <a:off x="2335091" y="1550002"/>
+            <a:ext cx="7123226" cy="3904000"/>
           </a:xfrm>
           <a:prstGeom prst="rect">
             <a:avLst/>
           </a:prstGeom>
         </p:spPr>
       </p:pic>
-      <p:sp>
-        <p:nvSpPr>
-          <p:cNvPr id="6" name="TextBox 5">
-            <a:extLst>
-              <a:ext uri="{FF2B5EF4-FFF2-40B4-BE49-F238E27FC236}">
-                <a16:creationId xmlns:a16="http://schemas.microsoft.com/office/drawing/2014/main" id="{B8E41FF0-C0D0-491A-B48C-4D675AC0DF5C}"/>
-              </a:ext>
-            </a:extLst>
-          </p:cNvPr>
-          <p:cNvSpPr txBox="1"/>
-          <p:nvPr/>
-        </p:nvSpPr>
-        <p:spPr>
-          <a:xfrm>
-            <a:off x="386862" y="2242275"/>
-            <a:ext cx="2754923" cy="1754326"/>
-          </a:xfrm>
-          <a:prstGeom prst="rect">
-            <a:avLst/>
-          </a:prstGeom>
-          <a:noFill/>
-        </p:spPr>
-        <p:txBody>
-          <a:bodyPr wrap="square" rtlCol="0" anchor="ctr">
-            <a:spAutoFit/>
-          </a:bodyPr>
-          <a:lstStyle/>
-          <a:p>
-            <a:pPr algn="ctr"/>
-            <a:r>
-              <a:rPr lang="en-US" dirty="0"/>
-              <a:t>These are untuned model performances</a:t>
-            </a:r>
-          </a:p>
-          <a:p>
-            <a:pPr algn="ctr"/>
-            <a:endParaRPr lang="en-US" dirty="0"/>
-          </a:p>
-          <a:p>
-            <a:pPr algn="ctr"/>
-            <a:r>
-              <a:rPr lang="en-US" dirty="0"/>
-              <a:t>4-CV MAE Mean is the mean absolute error of 4-fold cross-validation</a:t>
-            </a:r>
-          </a:p>
-        </p:txBody>
-      </p:sp>
     </p:spTree>
     <p:extLst>
       <p:ext uri="{BB962C8B-B14F-4D97-AF65-F5344CB8AC3E}">
-        <p14:creationId xmlns:p14="http://schemas.microsoft.com/office/powerpoint/2010/main" val="1461612239"/>
+        <p14:creationId xmlns:p14="http://schemas.microsoft.com/office/powerpoint/2010/main" val="2460148839"/>
       </p:ext>
     </p:extLst>
   </p:cSld>
